--- a/images/logo.pptx
+++ b/images/logo.pptx
@@ -104,6 +104,11 @@
       </a:defRPr>
     </a:lvl9pPr>
   </p:defaultTextStyle>
+  <p:extLst>
+    <p:ext uri="{EFAFB233-063F-42B5-8137-9DF3F51BA10A}">
+      <p15:sldGuideLst xmlns:p15="http://schemas.microsoft.com/office/powerpoint/2012/main"/>
+    </p:ext>
+  </p:extLst>
 </p:presentation>
 </file>
 
@@ -254,7 +259,7 @@
           <a:p>
             <a:fld id="{CF40EEC3-5530-4D0F-9085-2DB69F2041EB}" type="datetimeFigureOut">
               <a:rPr lang="en-US" smtClean="0"/>
-              <a:t>7/30/2023</a:t>
+              <a:t>9/15/2023</a:t>
             </a:fld>
             <a:endParaRPr lang="en-US"/>
           </a:p>
@@ -452,7 +457,7 @@
           <a:p>
             <a:fld id="{CF40EEC3-5530-4D0F-9085-2DB69F2041EB}" type="datetimeFigureOut">
               <a:rPr lang="en-US" smtClean="0"/>
-              <a:t>7/30/2023</a:t>
+              <a:t>9/15/2023</a:t>
             </a:fld>
             <a:endParaRPr lang="en-US"/>
           </a:p>
@@ -660,7 +665,7 @@
           <a:p>
             <a:fld id="{CF40EEC3-5530-4D0F-9085-2DB69F2041EB}" type="datetimeFigureOut">
               <a:rPr lang="en-US" smtClean="0"/>
-              <a:t>7/30/2023</a:t>
+              <a:t>9/15/2023</a:t>
             </a:fld>
             <a:endParaRPr lang="en-US"/>
           </a:p>
@@ -858,7 +863,7 @@
           <a:p>
             <a:fld id="{CF40EEC3-5530-4D0F-9085-2DB69F2041EB}" type="datetimeFigureOut">
               <a:rPr lang="en-US" smtClean="0"/>
-              <a:t>7/30/2023</a:t>
+              <a:t>9/15/2023</a:t>
             </a:fld>
             <a:endParaRPr lang="en-US"/>
           </a:p>
@@ -1133,7 +1138,7 @@
           <a:p>
             <a:fld id="{CF40EEC3-5530-4D0F-9085-2DB69F2041EB}" type="datetimeFigureOut">
               <a:rPr lang="en-US" smtClean="0"/>
-              <a:t>7/30/2023</a:t>
+              <a:t>9/15/2023</a:t>
             </a:fld>
             <a:endParaRPr lang="en-US"/>
           </a:p>
@@ -1398,7 +1403,7 @@
           <a:p>
             <a:fld id="{CF40EEC3-5530-4D0F-9085-2DB69F2041EB}" type="datetimeFigureOut">
               <a:rPr lang="en-US" smtClean="0"/>
-              <a:t>7/30/2023</a:t>
+              <a:t>9/15/2023</a:t>
             </a:fld>
             <a:endParaRPr lang="en-US"/>
           </a:p>
@@ -1810,7 +1815,7 @@
           <a:p>
             <a:fld id="{CF40EEC3-5530-4D0F-9085-2DB69F2041EB}" type="datetimeFigureOut">
               <a:rPr lang="en-US" smtClean="0"/>
-              <a:t>7/30/2023</a:t>
+              <a:t>9/15/2023</a:t>
             </a:fld>
             <a:endParaRPr lang="en-US"/>
           </a:p>
@@ -1951,7 +1956,7 @@
           <a:p>
             <a:fld id="{CF40EEC3-5530-4D0F-9085-2DB69F2041EB}" type="datetimeFigureOut">
               <a:rPr lang="en-US" smtClean="0"/>
-              <a:t>7/30/2023</a:t>
+              <a:t>9/15/2023</a:t>
             </a:fld>
             <a:endParaRPr lang="en-US"/>
           </a:p>
@@ -2064,7 +2069,7 @@
           <a:p>
             <a:fld id="{CF40EEC3-5530-4D0F-9085-2DB69F2041EB}" type="datetimeFigureOut">
               <a:rPr lang="en-US" smtClean="0"/>
-              <a:t>7/30/2023</a:t>
+              <a:t>9/15/2023</a:t>
             </a:fld>
             <a:endParaRPr lang="en-US"/>
           </a:p>
@@ -2375,7 +2380,7 @@
           <a:p>
             <a:fld id="{CF40EEC3-5530-4D0F-9085-2DB69F2041EB}" type="datetimeFigureOut">
               <a:rPr lang="en-US" smtClean="0"/>
-              <a:t>7/30/2023</a:t>
+              <a:t>9/15/2023</a:t>
             </a:fld>
             <a:endParaRPr lang="en-US"/>
           </a:p>
@@ -2663,7 +2668,7 @@
           <a:p>
             <a:fld id="{CF40EEC3-5530-4D0F-9085-2DB69F2041EB}" type="datetimeFigureOut">
               <a:rPr lang="en-US" smtClean="0"/>
-              <a:t>7/30/2023</a:t>
+              <a:t>9/15/2023</a:t>
             </a:fld>
             <a:endParaRPr lang="en-US"/>
           </a:p>
@@ -2904,7 +2909,7 @@
           <a:p>
             <a:fld id="{CF40EEC3-5530-4D0F-9085-2DB69F2041EB}" type="datetimeFigureOut">
               <a:rPr lang="en-US" smtClean="0"/>
-              <a:t>7/30/2023</a:t>
+              <a:t>9/15/2023</a:t>
             </a:fld>
             <a:endParaRPr lang="en-US"/>
           </a:p>
@@ -3378,14 +3383,56 @@
         </p:blipFill>
         <p:spPr>
           <a:xfrm>
-            <a:off x="4202955" y="1600200"/>
-            <a:ext cx="3786089" cy="668133"/>
+            <a:off x="2888663" y="724004"/>
+            <a:ext cx="6414674" cy="1132001"/>
           </a:xfrm>
           <a:prstGeom prst="rect">
             <a:avLst/>
           </a:prstGeom>
         </p:spPr>
       </p:pic>
+      <p:sp>
+        <p:nvSpPr>
+          <p:cNvPr id="2" name="TextBox 1">
+            <a:extLst>
+              <a:ext uri="{FF2B5EF4-FFF2-40B4-BE49-F238E27FC236}">
+                <a16:creationId xmlns:a16="http://schemas.microsoft.com/office/drawing/2014/main" id="{CC69452C-A6C0-FC52-9666-409A5BB1E6F5}"/>
+              </a:ext>
+            </a:extLst>
+          </p:cNvPr>
+          <p:cNvSpPr txBox="1"/>
+          <p:nvPr/>
+        </p:nvSpPr>
+        <p:spPr>
+          <a:xfrm>
+            <a:off x="2667305" y="2085307"/>
+            <a:ext cx="6857390" cy="369332"/>
+          </a:xfrm>
+          <a:prstGeom prst="rect">
+            <a:avLst/>
+          </a:prstGeom>
+          <a:noFill/>
+        </p:spPr>
+        <p:txBody>
+          <a:bodyPr wrap="none" rtlCol="0">
+            <a:spAutoFit/>
+          </a:bodyPr>
+          <a:lstStyle/>
+          <a:p>
+            <a:r>
+              <a:rPr lang="en-US" altLang="zh-CN" b="1" i="1" dirty="0">
+                <a:latin typeface="Arial" panose="020B0604020202020204" pitchFamily="34" charset="0"/>
+                <a:cs typeface="Arial" panose="020B0604020202020204" pitchFamily="34" charset="0"/>
+              </a:rPr>
+              <a:t>FLuids, Uncertainty, Estimation, Nonlinearity and Turbulence</a:t>
+            </a:r>
+            <a:endParaRPr lang="en-US" b="1" i="1" dirty="0">
+              <a:latin typeface="Arial" panose="020B0604020202020204" pitchFamily="34" charset="0"/>
+              <a:cs typeface="Arial" panose="020B0604020202020204" pitchFamily="34" charset="0"/>
+            </a:endParaRPr>
+          </a:p>
+        </p:txBody>
+      </p:sp>
     </p:spTree>
     <p:extLst>
       <p:ext uri="{BB962C8B-B14F-4D97-AF65-F5344CB8AC3E}">
